--- a/TP/자료공유/2D 3차발표 ppt.pptx
+++ b/TP/자료공유/2D 3차발표 ppt.pptx
@@ -5330,7 +5330,7 @@
               <a:t>2D 게임프로그래밍</a:t>
             </a:r>
             <a:br>
-              <a:rPr lang="en-US" altLang="ko-KR" sz="5000" b="0" cap="none" dirty="0">
+              <a:rPr lang="en-US" altLang="ko-KR" sz="5000" b="0" cap="none">
                 <a:solidFill>
                   <a:srgbClr val="295776"/>
                 </a:solidFill>
@@ -5346,10 +5346,10 @@
                 <a:latin typeface="맑은 고딕" charset="0"/>
                 <a:ea typeface="맑은 고딕" charset="0"/>
               </a:rPr>
-              <a:t>11/22 3</a:t>
-            </a:r>
-            <a:r>
-              <a:rPr lang="ko-KR" altLang="en-US" sz="3885" b="0" cap="none">
+              <a:t>3</a:t>
+            </a:r>
+            <a:r>
+              <a:rPr lang="ko-KR" altLang="en-US" sz="3885" b="0" cap="none" dirty="0">
                 <a:solidFill>
                   <a:srgbClr val="295776"/>
                 </a:solidFill>
@@ -5359,7 +5359,7 @@
               <a:t>차</a:t>
             </a:r>
             <a:r>
-              <a:rPr lang="en-US" altLang="ko-KR" sz="3885" b="0" cap="none">
+              <a:rPr lang="en-US" altLang="ko-KR" sz="3885" b="0" cap="none" dirty="0" err="1">
                 <a:solidFill>
                   <a:srgbClr val="295776"/>
                 </a:solidFill>
